--- a/presentations/2021-11 Webinars/2020-11 Questionnaire and SDC.pptx
+++ b/presentations/2021-11 Webinars/2020-11 Questionnaire and SDC.pptx
@@ -321,7 +321,7 @@
             <a:fld id="{1BCE7D1B-E2D6-42EC-A46F-6B8D8AB722EA}" type="datetime1">
               <a:rPr lang="en-US" altLang="en-US"/>
               <a:pPr/>
-              <a:t>10/29/2021</a:t>
+              <a:t>11/3/2021</a:t>
             </a:fld>
             <a:endParaRPr lang="en-US" altLang="en-US"/>
           </a:p>
@@ -552,7 +552,7 @@
             <a:fld id="{60D4D74E-7671-46E5-9A5B-14F31A4C0D2E}" type="datetime1">
               <a:rPr lang="en-US" altLang="en-US"/>
               <a:pPr/>
-              <a:t>10/29/2021</a:t>
+              <a:t>11/2/2021</a:t>
             </a:fld>
             <a:endParaRPr lang="en-US" altLang="en-US"/>
           </a:p>
@@ -22225,7 +22225,7 @@
 </file>
 
 <file path=ppt/slides/slide42.xml><?xml version="1.0" encoding="utf-8"?>
-<p:sld xmlns:a="http://schemas.openxmlformats.org/drawingml/2006/main" xmlns:r="http://schemas.openxmlformats.org/officeDocument/2006/relationships" xmlns:p="http://schemas.openxmlformats.org/presentationml/2006/main" show="0">
+<p:sld xmlns:a="http://schemas.openxmlformats.org/drawingml/2006/main" xmlns:r="http://schemas.openxmlformats.org/officeDocument/2006/relationships" xmlns:p="http://schemas.openxmlformats.org/presentationml/2006/main">
   <p:cSld>
     <p:spTree>
       <p:nvGrpSpPr>
